--- a/proj/ПЕРЕЗАПУСК_DS (1).pptx
+++ b/proj/ПЕРЕЗАПУСК_DS (1).pptx
@@ -4,6 +4,9 @@
   <p:sldMasterIdLst>
     <p:sldMasterId id="2147483648" r:id="rId1"/>
   </p:sldMasterIdLst>
+  <p:notesMasterIdLst>
+    <p:notesMasterId r:id="rId9"/>
+  </p:notesMasterIdLst>
   <p:sldIdLst>
     <p:sldId id="257" r:id="rId2"/>
     <p:sldId id="258" r:id="rId3"/>
@@ -112,10 +115,360 @@
   </p:defaultTextStyle>
   <p:extLst>
     <p:ext uri="{EFAFB233-063F-42B5-8137-9DF3F51BA10A}">
-      <p15:sldGuideLst xmlns:p15="http://schemas.microsoft.com/office/powerpoint/2012/main"/>
+      <p15:sldGuideLst xmlns:p15="http://schemas.microsoft.com/office/powerpoint/2012/main" xmlns=""/>
     </p:ext>
   </p:extLst>
 </p:presentation>
+</file>
+
+<file path=ppt/notesMasters/notesMaster1.xml><?xml version="1.0" encoding="utf-8"?>
+<p:notesMaster xmlns:a="http://schemas.openxmlformats.org/drawingml/2006/main" xmlns:r="http://schemas.openxmlformats.org/officeDocument/2006/relationships" xmlns:p="http://schemas.openxmlformats.org/presentationml/2006/main">
+  <p:cSld>
+    <p:bg>
+      <p:bgRef idx="1001">
+        <a:schemeClr val="bg1"/>
+      </p:bgRef>
+    </p:bg>
+    <p:spTree>
+      <p:nvGrpSpPr>
+        <p:cNvPr id="1" name=""/>
+        <p:cNvGrpSpPr/>
+        <p:nvPr/>
+      </p:nvGrpSpPr>
+      <p:grpSpPr>
+        <a:xfrm>
+          <a:off x="0" y="0"/>
+          <a:ext cx="0" cy="0"/>
+          <a:chOff x="0" y="0"/>
+          <a:chExt cx="0" cy="0"/>
+        </a:xfrm>
+      </p:grpSpPr>
+      <p:sp>
+        <p:nvSpPr>
+          <p:cNvPr id="2" name="Верхний колонтитул 1"/>
+          <p:cNvSpPr>
+            <a:spLocks noGrp="1"/>
+          </p:cNvSpPr>
+          <p:nvPr>
+            <p:ph type="hdr" sz="quarter"/>
+          </p:nvPr>
+        </p:nvSpPr>
+        <p:spPr>
+          <a:xfrm>
+            <a:off x="0" y="0"/>
+            <a:ext cx="2971800" cy="457200"/>
+          </a:xfrm>
+          <a:prstGeom prst="rect">
+            <a:avLst/>
+          </a:prstGeom>
+        </p:spPr>
+        <p:txBody>
+          <a:bodyPr vert="horz" lIns="91440" tIns="45720" rIns="91440" bIns="45720" rtlCol="0"/>
+          <a:lstStyle>
+            <a:lvl1pPr algn="l">
+              <a:defRPr sz="1200"/>
+            </a:lvl1pPr>
+          </a:lstStyle>
+          <a:p>
+            <a:endParaRPr lang="ru-RU"/>
+          </a:p>
+        </p:txBody>
+      </p:sp>
+      <p:sp>
+        <p:nvSpPr>
+          <p:cNvPr id="3" name="Дата 2"/>
+          <p:cNvSpPr>
+            <a:spLocks noGrp="1"/>
+          </p:cNvSpPr>
+          <p:nvPr>
+            <p:ph type="dt" idx="1"/>
+          </p:nvPr>
+        </p:nvSpPr>
+        <p:spPr>
+          <a:xfrm>
+            <a:off x="3884613" y="0"/>
+            <a:ext cx="2971800" cy="457200"/>
+          </a:xfrm>
+          <a:prstGeom prst="rect">
+            <a:avLst/>
+          </a:prstGeom>
+        </p:spPr>
+        <p:txBody>
+          <a:bodyPr vert="horz" lIns="91440" tIns="45720" rIns="91440" bIns="45720" rtlCol="0"/>
+          <a:lstStyle>
+            <a:lvl1pPr algn="r">
+              <a:defRPr sz="1200"/>
+            </a:lvl1pPr>
+          </a:lstStyle>
+          <a:p>
+            <a:fld id="{9416DBE1-838B-4F1C-8E19-D66754A9C41F}" type="datetimeFigureOut">
+              <a:rPr lang="ru-RU" smtClean="0"/>
+              <a:t>29.08.2022</a:t>
+            </a:fld>
+            <a:endParaRPr lang="ru-RU"/>
+          </a:p>
+        </p:txBody>
+      </p:sp>
+      <p:sp>
+        <p:nvSpPr>
+          <p:cNvPr id="4" name="Образ слайда 3"/>
+          <p:cNvSpPr>
+            <a:spLocks noGrp="1" noRot="1" noChangeAspect="1"/>
+          </p:cNvSpPr>
+          <p:nvPr>
+            <p:ph type="sldImg" idx="2"/>
+          </p:nvPr>
+        </p:nvSpPr>
+        <p:spPr>
+          <a:xfrm>
+            <a:off x="381000" y="685800"/>
+            <a:ext cx="6096000" cy="3429000"/>
+          </a:xfrm>
+          <a:prstGeom prst="rect">
+            <a:avLst/>
+          </a:prstGeom>
+          <a:noFill/>
+          <a:ln w="12700">
+            <a:solidFill>
+              <a:prstClr val="black"/>
+            </a:solidFill>
+          </a:ln>
+        </p:spPr>
+        <p:txBody>
+          <a:bodyPr vert="horz" lIns="91440" tIns="45720" rIns="91440" bIns="45720" rtlCol="0" anchor="ctr"/>
+          <a:lstStyle/>
+          <a:p>
+            <a:endParaRPr lang="ru-RU"/>
+          </a:p>
+        </p:txBody>
+      </p:sp>
+      <p:sp>
+        <p:nvSpPr>
+          <p:cNvPr id="5" name="Заметки 4"/>
+          <p:cNvSpPr>
+            <a:spLocks noGrp="1"/>
+          </p:cNvSpPr>
+          <p:nvPr>
+            <p:ph type="body" sz="quarter" idx="3"/>
+          </p:nvPr>
+        </p:nvSpPr>
+        <p:spPr>
+          <a:xfrm>
+            <a:off x="685800" y="4343400"/>
+            <a:ext cx="5486400" cy="4114800"/>
+          </a:xfrm>
+          <a:prstGeom prst="rect">
+            <a:avLst/>
+          </a:prstGeom>
+        </p:spPr>
+        <p:txBody>
+          <a:bodyPr vert="horz" lIns="91440" tIns="45720" rIns="91440" bIns="45720" rtlCol="0"/>
+          <a:lstStyle/>
+          <a:p>
+            <a:pPr lvl="0"/>
+            <a:r>
+              <a:rPr lang="ru-RU" smtClean="0"/>
+              <a:t>Образец текста</a:t>
+            </a:r>
+          </a:p>
+          <a:p>
+            <a:pPr lvl="1"/>
+            <a:r>
+              <a:rPr lang="ru-RU" smtClean="0"/>
+              <a:t>Второй уровень</a:t>
+            </a:r>
+          </a:p>
+          <a:p>
+            <a:pPr lvl="2"/>
+            <a:r>
+              <a:rPr lang="ru-RU" smtClean="0"/>
+              <a:t>Третий уровень</a:t>
+            </a:r>
+          </a:p>
+          <a:p>
+            <a:pPr lvl="3"/>
+            <a:r>
+              <a:rPr lang="ru-RU" smtClean="0"/>
+              <a:t>Четвертый уровень</a:t>
+            </a:r>
+          </a:p>
+          <a:p>
+            <a:pPr lvl="4"/>
+            <a:r>
+              <a:rPr lang="ru-RU" smtClean="0"/>
+              <a:t>Пятый уровень</a:t>
+            </a:r>
+            <a:endParaRPr lang="ru-RU"/>
+          </a:p>
+        </p:txBody>
+      </p:sp>
+      <p:sp>
+        <p:nvSpPr>
+          <p:cNvPr id="6" name="Нижний колонтитул 5"/>
+          <p:cNvSpPr>
+            <a:spLocks noGrp="1"/>
+          </p:cNvSpPr>
+          <p:nvPr>
+            <p:ph type="ftr" sz="quarter" idx="4"/>
+          </p:nvPr>
+        </p:nvSpPr>
+        <p:spPr>
+          <a:xfrm>
+            <a:off x="0" y="8685213"/>
+            <a:ext cx="2971800" cy="457200"/>
+          </a:xfrm>
+          <a:prstGeom prst="rect">
+            <a:avLst/>
+          </a:prstGeom>
+        </p:spPr>
+        <p:txBody>
+          <a:bodyPr vert="horz" lIns="91440" tIns="45720" rIns="91440" bIns="45720" rtlCol="0" anchor="b"/>
+          <a:lstStyle>
+            <a:lvl1pPr algn="l">
+              <a:defRPr sz="1200"/>
+            </a:lvl1pPr>
+          </a:lstStyle>
+          <a:p>
+            <a:endParaRPr lang="ru-RU"/>
+          </a:p>
+        </p:txBody>
+      </p:sp>
+      <p:sp>
+        <p:nvSpPr>
+          <p:cNvPr id="7" name="Номер слайда 6"/>
+          <p:cNvSpPr>
+            <a:spLocks noGrp="1"/>
+          </p:cNvSpPr>
+          <p:nvPr>
+            <p:ph type="sldNum" sz="quarter" idx="5"/>
+          </p:nvPr>
+        </p:nvSpPr>
+        <p:spPr>
+          <a:xfrm>
+            <a:off x="3884613" y="8685213"/>
+            <a:ext cx="2971800" cy="457200"/>
+          </a:xfrm>
+          <a:prstGeom prst="rect">
+            <a:avLst/>
+          </a:prstGeom>
+        </p:spPr>
+        <p:txBody>
+          <a:bodyPr vert="horz" lIns="91440" tIns="45720" rIns="91440" bIns="45720" rtlCol="0" anchor="b"/>
+          <a:lstStyle>
+            <a:lvl1pPr algn="r">
+              <a:defRPr sz="1200"/>
+            </a:lvl1pPr>
+          </a:lstStyle>
+          <a:p>
+            <a:fld id="{8808DB5F-4963-4819-82DC-B2929CA8FD92}" type="slidenum">
+              <a:rPr lang="ru-RU" smtClean="0"/>
+              <a:t>‹#›</a:t>
+            </a:fld>
+            <a:endParaRPr lang="ru-RU"/>
+          </a:p>
+        </p:txBody>
+      </p:sp>
+    </p:spTree>
+    <p:extLst>
+      <p:ext uri="{BB962C8B-B14F-4D97-AF65-F5344CB8AC3E}">
+        <p14:creationId xmlns:p14="http://schemas.microsoft.com/office/powerpoint/2010/main" val="3762351227"/>
+      </p:ext>
+    </p:extLst>
+  </p:cSld>
+  <p:clrMap bg1="lt1" tx1="dk1" bg2="lt2" tx2="dk2" accent1="accent1" accent2="accent2" accent3="accent3" accent4="accent4" accent5="accent5" accent6="accent6" hlink="hlink" folHlink="folHlink"/>
+  <p:notesStyle>
+    <a:lvl1pPr marL="0" algn="l" defTabSz="914400" rtl="0" eaLnBrk="1" latinLnBrk="0" hangingPunct="1">
+      <a:defRPr sz="1200" kern="1200">
+        <a:solidFill>
+          <a:schemeClr val="tx1"/>
+        </a:solidFill>
+        <a:latin typeface="+mn-lt"/>
+        <a:ea typeface="+mn-ea"/>
+        <a:cs typeface="+mn-cs"/>
+      </a:defRPr>
+    </a:lvl1pPr>
+    <a:lvl2pPr marL="457200" algn="l" defTabSz="914400" rtl="0" eaLnBrk="1" latinLnBrk="0" hangingPunct="1">
+      <a:defRPr sz="1200" kern="1200">
+        <a:solidFill>
+          <a:schemeClr val="tx1"/>
+        </a:solidFill>
+        <a:latin typeface="+mn-lt"/>
+        <a:ea typeface="+mn-ea"/>
+        <a:cs typeface="+mn-cs"/>
+      </a:defRPr>
+    </a:lvl2pPr>
+    <a:lvl3pPr marL="914400" algn="l" defTabSz="914400" rtl="0" eaLnBrk="1" latinLnBrk="0" hangingPunct="1">
+      <a:defRPr sz="1200" kern="1200">
+        <a:solidFill>
+          <a:schemeClr val="tx1"/>
+        </a:solidFill>
+        <a:latin typeface="+mn-lt"/>
+        <a:ea typeface="+mn-ea"/>
+        <a:cs typeface="+mn-cs"/>
+      </a:defRPr>
+    </a:lvl3pPr>
+    <a:lvl4pPr marL="1371600" algn="l" defTabSz="914400" rtl="0" eaLnBrk="1" latinLnBrk="0" hangingPunct="1">
+      <a:defRPr sz="1200" kern="1200">
+        <a:solidFill>
+          <a:schemeClr val="tx1"/>
+        </a:solidFill>
+        <a:latin typeface="+mn-lt"/>
+        <a:ea typeface="+mn-ea"/>
+        <a:cs typeface="+mn-cs"/>
+      </a:defRPr>
+    </a:lvl4pPr>
+    <a:lvl5pPr marL="1828800" algn="l" defTabSz="914400" rtl="0" eaLnBrk="1" latinLnBrk="0" hangingPunct="1">
+      <a:defRPr sz="1200" kern="1200">
+        <a:solidFill>
+          <a:schemeClr val="tx1"/>
+        </a:solidFill>
+        <a:latin typeface="+mn-lt"/>
+        <a:ea typeface="+mn-ea"/>
+        <a:cs typeface="+mn-cs"/>
+      </a:defRPr>
+    </a:lvl5pPr>
+    <a:lvl6pPr marL="2286000" algn="l" defTabSz="914400" rtl="0" eaLnBrk="1" latinLnBrk="0" hangingPunct="1">
+      <a:defRPr sz="1200" kern="1200">
+        <a:solidFill>
+          <a:schemeClr val="tx1"/>
+        </a:solidFill>
+        <a:latin typeface="+mn-lt"/>
+        <a:ea typeface="+mn-ea"/>
+        <a:cs typeface="+mn-cs"/>
+      </a:defRPr>
+    </a:lvl6pPr>
+    <a:lvl7pPr marL="2743200" algn="l" defTabSz="914400" rtl="0" eaLnBrk="1" latinLnBrk="0" hangingPunct="1">
+      <a:defRPr sz="1200" kern="1200">
+        <a:solidFill>
+          <a:schemeClr val="tx1"/>
+        </a:solidFill>
+        <a:latin typeface="+mn-lt"/>
+        <a:ea typeface="+mn-ea"/>
+        <a:cs typeface="+mn-cs"/>
+      </a:defRPr>
+    </a:lvl7pPr>
+    <a:lvl8pPr marL="3200400" algn="l" defTabSz="914400" rtl="0" eaLnBrk="1" latinLnBrk="0" hangingPunct="1">
+      <a:defRPr sz="1200" kern="1200">
+        <a:solidFill>
+          <a:schemeClr val="tx1"/>
+        </a:solidFill>
+        <a:latin typeface="+mn-lt"/>
+        <a:ea typeface="+mn-ea"/>
+        <a:cs typeface="+mn-cs"/>
+      </a:defRPr>
+    </a:lvl8pPr>
+    <a:lvl9pPr marL="3657600" algn="l" defTabSz="914400" rtl="0" eaLnBrk="1" latinLnBrk="0" hangingPunct="1">
+      <a:defRPr sz="1200" kern="1200">
+        <a:solidFill>
+          <a:schemeClr val="tx1"/>
+        </a:solidFill>
+        <a:latin typeface="+mn-lt"/>
+        <a:ea typeface="+mn-ea"/>
+        <a:cs typeface="+mn-cs"/>
+      </a:defRPr>
+    </a:lvl9pPr>
+  </p:notesStyle>
+</p:notesMaster>
 </file>
 
 <file path=ppt/slideLayouts/slideLayout1.xml><?xml version="1.0" encoding="utf-8"?>
@@ -286,7 +639,7 @@
           <p:cNvPr id="18" name="Прямоугольник 17">
             <a:extLst>
               <a:ext uri="{FF2B5EF4-FFF2-40B4-BE49-F238E27FC236}">
-                <a16:creationId xmlns:a16="http://schemas.microsoft.com/office/drawing/2014/main" id="{CBC5F2EB-A7EF-7341-95C5-1D35103D9A8D}"/>
+                <a16:creationId xmlns:a16="http://schemas.microsoft.com/office/drawing/2014/main" xmlns="" id="{CBC5F2EB-A7EF-7341-95C5-1D35103D9A8D}"/>
               </a:ext>
             </a:extLst>
           </p:cNvPr>
@@ -992,7 +1345,7 @@
           <a:p>
             <a:fld id="{4583FB6F-ACA5-4987-9D7D-422181772236}" type="datetimeFigureOut">
               <a:rPr lang="ru-RU" smtClean="0"/>
-              <a:t>24.08.2022</a:t>
+              <a:t>29.08.2022</a:t>
             </a:fld>
             <a:endParaRPr lang="ru-RU"/>
           </a:p>
@@ -2098,7 +2451,7 @@
           <a:p>
             <a:fld id="{4583FB6F-ACA5-4987-9D7D-422181772236}" type="datetimeFigureOut">
               <a:rPr lang="ru-RU" smtClean="0"/>
-              <a:t>24.08.2022</a:t>
+              <a:t>29.08.2022</a:t>
             </a:fld>
             <a:endParaRPr lang="ru-RU"/>
           </a:p>
@@ -2309,7 +2662,7 @@
           <a:p>
             <a:fld id="{4583FB6F-ACA5-4987-9D7D-422181772236}" type="datetimeFigureOut">
               <a:rPr lang="ru-RU" smtClean="0"/>
-              <a:t>24.08.2022</a:t>
+              <a:t>29.08.2022</a:t>
             </a:fld>
             <a:endParaRPr lang="ru-RU"/>
           </a:p>
@@ -2723,23 +3076,75 @@
         </p:nvSpPr>
         <p:spPr>
           <a:xfrm>
-            <a:off x="637308" y="3048714"/>
-            <a:ext cx="5137197" cy="1578704"/>
+            <a:off x="637308" y="2650066"/>
+            <a:ext cx="5137197" cy="1977351"/>
           </a:xfrm>
         </p:spPr>
         <p:txBody>
           <a:bodyPr/>
           <a:lstStyle/>
           <a:p>
-            <a:r>
-              <a:rPr lang="ru-RU" dirty="0">
+            <a:pPr algn="ctr"/>
+            <a:endParaRPr lang="en-US" dirty="0" smtClean="0">
+              <a:solidFill>
+                <a:schemeClr val="tx1"/>
+              </a:solidFill>
+              <a:latin typeface="+mj-lt"/>
+            </a:endParaRPr>
+          </a:p>
+          <a:p>
+            <a:pPr algn="ctr"/>
+            <a:r>
+              <a:rPr lang="ru-RU" dirty="0" err="1" smtClean="0">
                 <a:solidFill>
                   <a:schemeClr val="tx1"/>
                 </a:solidFill>
                 <a:latin typeface="+mj-lt"/>
               </a:rPr>
-              <a:t>ФИО выпускника</a:t>
-            </a:r>
+              <a:t>Пирюткина</a:t>
+            </a:r>
+            <a:r>
+              <a:rPr lang="ru-RU" dirty="0" smtClean="0">
+                <a:solidFill>
+                  <a:schemeClr val="tx1"/>
+                </a:solidFill>
+                <a:latin typeface="+mj-lt"/>
+              </a:rPr>
+              <a:t> И</a:t>
+            </a:r>
+            <a:r>
+              <a:rPr lang="en-US" dirty="0" smtClean="0">
+                <a:solidFill>
+                  <a:schemeClr val="tx1"/>
+                </a:solidFill>
+                <a:latin typeface="+mj-lt"/>
+              </a:rPr>
+              <a:t>.</a:t>
+            </a:r>
+            <a:r>
+              <a:rPr lang="ru-RU" dirty="0" smtClean="0">
+                <a:solidFill>
+                  <a:schemeClr val="tx1"/>
+                </a:solidFill>
+                <a:latin typeface="+mj-lt"/>
+              </a:rPr>
+              <a:t>В</a:t>
+            </a:r>
+            <a:r>
+              <a:rPr lang="en-US" dirty="0" smtClean="0">
+                <a:solidFill>
+                  <a:schemeClr val="tx1"/>
+                </a:solidFill>
+                <a:latin typeface="+mj-lt"/>
+              </a:rPr>
+              <a:t>.</a:t>
+            </a:r>
+            <a:endParaRPr lang="ru-RU" dirty="0">
+              <a:solidFill>
+                <a:schemeClr val="tx1"/>
+              </a:solidFill>
+              <a:latin typeface="+mj-lt"/>
+            </a:endParaRPr>
           </a:p>
         </p:txBody>
       </p:sp>
@@ -2755,20 +3160,51 @@
         </p:nvSpPr>
         <p:spPr>
           <a:xfrm>
-            <a:off x="701964" y="1366982"/>
-            <a:ext cx="5072542" cy="969818"/>
+            <a:off x="701964" y="372533"/>
+            <a:ext cx="4877569" cy="2074334"/>
           </a:xfrm>
         </p:spPr>
         <p:txBody>
           <a:bodyPr>
-            <a:normAutofit/>
+            <a:normAutofit fontScale="90000"/>
           </a:bodyPr>
           <a:lstStyle/>
           <a:p>
-            <a:r>
-              <a:rPr lang="ru-RU" sz="4000" b="1" dirty="0"/>
-              <a:t>Название проекта</a:t>
-            </a:r>
+            <a:pPr algn="ctr"/>
+            <a:r>
+              <a:rPr lang="en-US" sz="4000" dirty="0" smtClean="0"/>
+              <a:t/>
+            </a:r>
+            <a:br>
+              <a:rPr lang="en-US" sz="4000" dirty="0" smtClean="0"/>
+            </a:br>
+            <a:r>
+              <a:rPr lang="en-US" sz="4000" dirty="0"/>
+              <a:t/>
+            </a:r>
+            <a:br>
+              <a:rPr lang="en-US" sz="4000" dirty="0"/>
+            </a:br>
+            <a:r>
+              <a:rPr lang="en-US" sz="4000" dirty="0" smtClean="0"/>
+              <a:t/>
+            </a:r>
+            <a:br>
+              <a:rPr lang="en-US" sz="4000" dirty="0" smtClean="0"/>
+            </a:br>
+            <a:r>
+              <a:rPr lang="ru-RU" sz="3100" dirty="0" smtClean="0"/>
+              <a:t>Определение </a:t>
+            </a:r>
+            <a:r>
+              <a:rPr lang="ru-RU" sz="3100" dirty="0"/>
+              <a:t>дистанции до объекта и его отклонения от центра наблюдаемого </a:t>
+            </a:r>
+            <a:r>
+              <a:rPr lang="ru-RU" sz="3100" dirty="0" smtClean="0"/>
+              <a:t>сектора</a:t>
+            </a:r>
+            <a:endParaRPr lang="ru-RU" sz="3100" b="1" dirty="0"/>
           </a:p>
         </p:txBody>
       </p:sp>
@@ -3017,6 +3453,13 @@
   <p:clrMapOvr>
     <a:masterClrMapping/>
   </p:clrMapOvr>
+  <p:timing>
+    <p:tnLst>
+      <p:par>
+        <p:cTn id="1" dur="indefinite" restart="never" nodeType="tmRoot"/>
+      </p:par>
+    </p:tnLst>
+  </p:timing>
 </p:sld>
 </file>
 
@@ -3069,96 +3512,262 @@
             <p:ph idx="1"/>
           </p:nvPr>
         </p:nvSpPr>
-        <p:spPr/>
+        <p:spPr>
+          <a:xfrm>
+            <a:off x="804334" y="1757892"/>
+            <a:ext cx="10515600" cy="4351338"/>
+          </a:xfrm>
+        </p:spPr>
         <p:txBody>
-          <a:bodyPr/>
+          <a:bodyPr>
+            <a:normAutofit lnSpcReduction="10000"/>
+          </a:bodyPr>
           <a:lstStyle/>
           <a:p>
             <a:r>
-              <a:rPr lang="ru-RU" i="1" dirty="0">
-                <a:solidFill>
-                  <a:schemeClr val="tx1">
-                    <a:lumMod val="65000"/>
-                    <a:lumOff val="35000"/>
-                  </a:schemeClr>
-                </a:solidFill>
-              </a:rPr>
+              <a:rPr lang="ru-RU" sz="2600" i="1" dirty="0" smtClean="0"/>
               <a:t>ФИО</a:t>
             </a:r>
-          </a:p>
-          <a:p>
-            <a:r>
-              <a:rPr lang="ru-RU" i="1" dirty="0">
-                <a:solidFill>
-                  <a:schemeClr val="tx1">
-                    <a:lumMod val="65000"/>
-                    <a:lumOff val="35000"/>
-                  </a:schemeClr>
-                </a:solidFill>
-              </a:rPr>
+            <a:r>
+              <a:rPr lang="en-US" sz="2600" i="1" dirty="0" smtClean="0"/>
+              <a:t>: </a:t>
+            </a:r>
+            <a:r>
+              <a:rPr lang="ru-RU" sz="2600" i="1" dirty="0" err="1" smtClean="0"/>
+              <a:t>Пирюткина</a:t>
+            </a:r>
+            <a:r>
+              <a:rPr lang="ru-RU" sz="2600" i="1" dirty="0" smtClean="0"/>
+              <a:t> Ирина Валерьевна</a:t>
+            </a:r>
+          </a:p>
+          <a:p>
+            <a:r>
+              <a:rPr lang="ru-RU" sz="2600" i="1" dirty="0" smtClean="0"/>
               <a:t>Образование</a:t>
             </a:r>
-          </a:p>
-          <a:p>
-            <a:r>
-              <a:rPr lang="ru-RU" i="1" dirty="0">
-                <a:solidFill>
-                  <a:schemeClr val="tx1">
-                    <a:lumMod val="65000"/>
-                    <a:lumOff val="35000"/>
-                  </a:schemeClr>
-                </a:solidFill>
-              </a:rPr>
-              <a:t>Опыт в </a:t>
-            </a:r>
-            <a:r>
-              <a:rPr lang="ru-RU" i="1" dirty="0" err="1">
-                <a:solidFill>
-                  <a:schemeClr val="tx1">
-                    <a:lumMod val="65000"/>
-                    <a:lumOff val="35000"/>
-                  </a:schemeClr>
-                </a:solidFill>
-              </a:rPr>
+            <a:r>
+              <a:rPr lang="en-US" sz="2600" i="1" dirty="0" smtClean="0"/>
+              <a:t>: </a:t>
+            </a:r>
+            <a:r>
+              <a:rPr lang="ru-RU" sz="2600" i="1" dirty="0" smtClean="0"/>
+              <a:t>факультет математики</a:t>
+            </a:r>
+            <a:r>
+              <a:rPr lang="en-US" sz="2600" i="1" dirty="0" smtClean="0"/>
+              <a:t>, </a:t>
+            </a:r>
+            <a:r>
+              <a:rPr lang="ru-RU" sz="2600" i="1" dirty="0" smtClean="0"/>
+              <a:t>механики и компьютерных наук ЮФУ</a:t>
+            </a:r>
+            <a:r>
+              <a:rPr lang="en-US" sz="2600" i="1" dirty="0" smtClean="0"/>
+              <a:t>, </a:t>
+            </a:r>
+            <a:r>
+              <a:rPr lang="ru-RU" sz="2600" i="1" dirty="0" smtClean="0"/>
+              <a:t>направление</a:t>
+            </a:r>
+            <a:r>
+              <a:rPr lang="en-US" sz="2600" i="1" dirty="0" smtClean="0"/>
+              <a:t>: </a:t>
+            </a:r>
+            <a:r>
+              <a:rPr lang="ru-RU" sz="2600" i="1" dirty="0" smtClean="0"/>
+              <a:t>прикладная математика и информатика</a:t>
+            </a:r>
+            <a:r>
+              <a:rPr lang="en-US" sz="2600" i="1" dirty="0" smtClean="0"/>
+              <a:t>, </a:t>
+            </a:r>
+            <a:r>
+              <a:rPr lang="ru-RU" sz="2600" i="1" dirty="0" smtClean="0"/>
+              <a:t>магистр</a:t>
+            </a:r>
+            <a:endParaRPr lang="ru-RU" sz="2600" i="1" dirty="0"/>
+          </a:p>
+          <a:p>
+            <a:r>
+              <a:rPr lang="ru-RU" sz="2600" i="1" dirty="0" smtClean="0"/>
+              <a:t>Опыт</a:t>
+            </a:r>
+            <a:r>
+              <a:rPr lang="en-US" sz="2600" i="1" dirty="0" smtClean="0"/>
+              <a:t> </a:t>
+            </a:r>
+            <a:r>
+              <a:rPr lang="ru-RU" sz="2600" i="1" dirty="0" smtClean="0"/>
+              <a:t>до </a:t>
+            </a:r>
+            <a:r>
+              <a:rPr lang="ru-RU" sz="2600" i="1" dirty="0" err="1" smtClean="0"/>
+              <a:t>Сбера</a:t>
+            </a:r>
+            <a:r>
+              <a:rPr lang="en-US" sz="2600" i="1" dirty="0" smtClean="0"/>
+              <a:t>: </a:t>
+            </a:r>
+            <a:r>
+              <a:rPr lang="en-US" sz="2600" i="1" dirty="0" smtClean="0"/>
+              <a:t>7</a:t>
+            </a:r>
+            <a:r>
+              <a:rPr lang="ru-RU" sz="2600" i="1" dirty="0" smtClean="0"/>
+              <a:t> лет </a:t>
+            </a:r>
+            <a:r>
+              <a:rPr lang="ru-RU" sz="2600" i="1" dirty="0" smtClean="0"/>
+              <a:t>программи</a:t>
+            </a:r>
+            <a:r>
+              <a:rPr lang="ru-RU" sz="2600" i="1" dirty="0" smtClean="0"/>
+              <a:t>рования (</a:t>
+            </a:r>
+            <a:r>
+              <a:rPr lang="ru-RU" sz="2600" i="1" dirty="0" smtClean="0"/>
+              <a:t>С++</a:t>
+            </a:r>
+            <a:r>
+              <a:rPr lang="en-US" sz="2600" i="1" dirty="0" smtClean="0"/>
+              <a:t>,</a:t>
+            </a:r>
+            <a:r>
+              <a:rPr lang="en-US" sz="2600" i="1" dirty="0"/>
+              <a:t> </a:t>
+            </a:r>
+            <a:r>
+              <a:rPr lang="en-US" sz="2600" i="1" dirty="0" err="1" smtClean="0"/>
+              <a:t>Matlab</a:t>
+            </a:r>
+            <a:r>
+              <a:rPr lang="en-US" sz="2600" i="1" dirty="0" smtClean="0"/>
+              <a:t>). </a:t>
+            </a:r>
+            <a:r>
+              <a:rPr lang="ru-RU" sz="2600" i="1" dirty="0" smtClean="0"/>
+              <a:t>ЦОС</a:t>
+            </a:r>
+            <a:r>
+              <a:rPr lang="en-US" sz="2600" i="1" dirty="0" smtClean="0"/>
+              <a:t>, </a:t>
+            </a:r>
+            <a:r>
+              <a:rPr lang="ru-RU" sz="2600" i="1" dirty="0" smtClean="0"/>
+              <a:t>ПУ коды</a:t>
+            </a:r>
+            <a:r>
+              <a:rPr lang="en-US" sz="2600" i="1" dirty="0" smtClean="0"/>
+              <a:t>, </a:t>
+            </a:r>
+            <a:r>
+              <a:rPr lang="ru-RU" sz="2600" i="1" dirty="0" smtClean="0"/>
+              <a:t>системы связи</a:t>
+            </a:r>
+            <a:r>
+              <a:rPr lang="en-US" sz="2600" i="1" dirty="0" smtClean="0"/>
+              <a:t>, </a:t>
+            </a:r>
+            <a:r>
+              <a:rPr lang="ru-RU" sz="2600" i="1" dirty="0" smtClean="0"/>
+              <a:t>опыт </a:t>
+            </a:r>
+            <a:r>
+              <a:rPr lang="ru-RU" sz="2600" i="1" dirty="0" err="1" smtClean="0"/>
+              <a:t>использованя</a:t>
+            </a:r>
+            <a:r>
+              <a:rPr lang="ru-RU" sz="2600" i="1" dirty="0" smtClean="0"/>
+              <a:t> машинного обучения в задачах классификации и распознавания</a:t>
+            </a:r>
+            <a:endParaRPr lang="ru-RU" sz="2600" i="1" dirty="0" smtClean="0"/>
+          </a:p>
+          <a:p>
+            <a:r>
+              <a:rPr lang="ru-RU" sz="2600" i="1" dirty="0" smtClean="0"/>
+              <a:t>в </a:t>
+            </a:r>
+            <a:r>
+              <a:rPr lang="ru-RU" sz="2600" i="1" dirty="0" err="1" smtClean="0"/>
               <a:t>Сбере</a:t>
             </a:r>
             <a:r>
-              <a:rPr lang="ru-RU" i="1" dirty="0">
-                <a:solidFill>
-                  <a:schemeClr val="tx1">
-                    <a:lumMod val="65000"/>
-                    <a:lumOff val="35000"/>
-                  </a:schemeClr>
-                </a:solidFill>
-              </a:rPr>
-              <a:t> (подразделение, должность, основной функционал, системы/процессы</a:t>
-            </a:r>
-          </a:p>
-          <a:p>
-            <a:r>
-              <a:rPr lang="ru-RU" i="1" dirty="0">
-                <a:solidFill>
-                  <a:schemeClr val="tx1">
-                    <a:lumMod val="65000"/>
-                    <a:lumOff val="35000"/>
-                  </a:schemeClr>
-                </a:solidFill>
-              </a:rPr>
-              <a:t>Город и готовность к переезду</a:t>
-            </a:r>
-          </a:p>
-          <a:p>
-            <a:r>
-              <a:rPr lang="ru-RU" i="1" dirty="0">
-                <a:solidFill>
-                  <a:schemeClr val="tx1">
-                    <a:lumMod val="65000"/>
-                    <a:lumOff val="35000"/>
-                  </a:schemeClr>
-                </a:solidFill>
-              </a:rPr>
+              <a:rPr lang="en-US" sz="2600" i="1" dirty="0" smtClean="0"/>
+              <a:t>: 1 </a:t>
+            </a:r>
+            <a:r>
+              <a:rPr lang="ru-RU" sz="2600" i="1" dirty="0" smtClean="0"/>
+              <a:t>год</a:t>
+            </a:r>
+            <a:r>
+              <a:rPr lang="en-US" sz="2600" i="1" dirty="0" smtClean="0"/>
+              <a:t>, </a:t>
+            </a:r>
+            <a:r>
+              <a:rPr lang="en-US" sz="2600" i="1" dirty="0" smtClean="0"/>
+              <a:t>middle Java-</a:t>
+            </a:r>
+            <a:r>
+              <a:rPr lang="ru-RU" sz="2600" i="1" dirty="0" smtClean="0"/>
+              <a:t>разработчик</a:t>
+            </a:r>
+            <a:r>
+              <a:rPr lang="ru-RU" sz="2600" i="1" dirty="0" smtClean="0"/>
+              <a:t> </a:t>
+            </a:r>
+            <a:r>
+              <a:rPr lang="ru-RU" sz="2600" i="1" dirty="0"/>
+              <a:t>(подразделение, должность, основной функционал, системы/процессы</a:t>
+            </a:r>
+          </a:p>
+          <a:p>
+            <a:r>
+              <a:rPr lang="ru-RU" sz="2600" i="1" dirty="0" smtClean="0"/>
+              <a:t>Город</a:t>
+            </a:r>
+            <a:r>
+              <a:rPr lang="en-US" sz="2600" i="1" dirty="0" smtClean="0"/>
+              <a:t>: </a:t>
+            </a:r>
+            <a:r>
+              <a:rPr lang="ru-RU" sz="2600" i="1" dirty="0" smtClean="0"/>
+              <a:t>Ростов-на-Дону</a:t>
+            </a:r>
+            <a:r>
+              <a:rPr lang="en-US" sz="2600" i="1" dirty="0" smtClean="0"/>
+              <a:t>, </a:t>
+            </a:r>
+            <a:r>
+              <a:rPr lang="ru-RU" sz="2600" i="1" dirty="0" smtClean="0"/>
+              <a:t>к переезду не готова</a:t>
+            </a:r>
+            <a:endParaRPr lang="ru-RU" sz="2600" i="1" dirty="0"/>
+          </a:p>
+          <a:p>
+            <a:r>
+              <a:rPr lang="ru-RU" sz="2600" i="1" dirty="0" smtClean="0"/>
               <a:t>Контакты </a:t>
             </a:r>
+            <a:r>
+              <a:rPr lang="en-US" sz="2600" i="1" dirty="0" smtClean="0"/>
+              <a:t>: </a:t>
+            </a:r>
+            <a:r>
+              <a:rPr lang="ru-RU" sz="2600" dirty="0" smtClean="0"/>
+              <a:t>7(928)2149004</a:t>
+            </a:r>
+            <a:endParaRPr lang="ru-RU" sz="2600" dirty="0"/>
+          </a:p>
+          <a:p>
+            <a:endParaRPr lang="ru-RU" i="1" dirty="0" smtClean="0">
+              <a:solidFill>
+                <a:schemeClr val="tx1">
+                  <a:lumMod val="65000"/>
+                  <a:lumOff val="35000"/>
+                </a:schemeClr>
+              </a:solidFill>
+            </a:endParaRPr>
           </a:p>
           <a:p>
             <a:endParaRPr lang="ru-RU" dirty="0"/>
@@ -3175,6 +3784,13 @@
   <p:clrMapOvr>
     <a:masterClrMapping/>
   </p:clrMapOvr>
+  <p:timing>
+    <p:tnLst>
+      <p:par>
+        <p:cTn id="1" dur="indefinite" restart="never" nodeType="tmRoot"/>
+      </p:par>
+    </p:tnLst>
+  </p:timing>
 </p:sld>
 </file>
 
@@ -3229,39 +3845,71 @@
         </p:nvSpPr>
         <p:spPr/>
         <p:txBody>
-          <a:bodyPr/>
+          <a:bodyPr>
+            <a:normAutofit/>
+          </a:bodyPr>
           <a:lstStyle/>
           <a:p>
             <a:r>
-              <a:rPr lang="ru-RU" i="1" dirty="0">
-                <a:solidFill>
-                  <a:schemeClr val="tx1">
-                    <a:lumMod val="65000"/>
-                    <a:lumOff val="35000"/>
-                  </a:schemeClr>
-                </a:solidFill>
-              </a:rPr>
-              <a:t>Опишите кратко суть проекта и функционал</a:t>
-            </a:r>
-          </a:p>
-          <a:p>
-            <a:r>
-              <a:rPr lang="ru-RU" i="1" dirty="0">
-                <a:solidFill>
-                  <a:schemeClr val="tx1">
-                    <a:lumMod val="65000"/>
-                    <a:lumOff val="35000"/>
-                  </a:schemeClr>
-                </a:solidFill>
-              </a:rPr>
-              <a:t>Приложите ссылку на репозиторий с кодом</a:t>
-            </a:r>
-          </a:p>
-          <a:p>
-            <a:pPr marL="0" indent="0">
-              <a:buNone/>
-            </a:pPr>
-            <a:endParaRPr lang="ru-RU" dirty="0"/>
+              <a:rPr lang="ru-RU" dirty="0" smtClean="0"/>
+              <a:t>Постановка задачи</a:t>
+            </a:r>
+            <a:r>
+              <a:rPr lang="en-US" dirty="0" smtClean="0"/>
+              <a:t>: </a:t>
+            </a:r>
+            <a:r>
+              <a:rPr lang="ru-RU" dirty="0" smtClean="0"/>
+              <a:t>есть видео захода на посадку самолета</a:t>
+            </a:r>
+            <a:r>
+              <a:rPr lang="en-US" dirty="0" smtClean="0"/>
+              <a:t>. </a:t>
+            </a:r>
+            <a:r>
+              <a:rPr lang="ru-RU" dirty="0" smtClean="0"/>
+              <a:t>Известна модель самолета</a:t>
+            </a:r>
+            <a:r>
+              <a:rPr lang="en-US" dirty="0" smtClean="0"/>
+              <a:t>, </a:t>
+            </a:r>
+            <a:r>
+              <a:rPr lang="ru-RU" dirty="0" smtClean="0"/>
+              <a:t>характеристики видео и камеры</a:t>
+            </a:r>
+            <a:r>
+              <a:rPr lang="en-US" dirty="0" smtClean="0"/>
+              <a:t>. </a:t>
+            </a:r>
+            <a:r>
+              <a:rPr lang="ru-RU" dirty="0" smtClean="0"/>
+              <a:t>Необходимо осуществить трекинг самолета</a:t>
+            </a:r>
+            <a:r>
+              <a:rPr lang="en-US" dirty="0" smtClean="0"/>
+              <a:t>, </a:t>
+            </a:r>
+            <a:r>
+              <a:rPr lang="ru-RU" dirty="0" smtClean="0"/>
+              <a:t>определить по видео расстояние до самолета и его отклонение от центра экрана</a:t>
+            </a:r>
+            <a:r>
+              <a:rPr lang="en-US" dirty="0" smtClean="0"/>
+              <a:t>, </a:t>
+            </a:r>
+            <a:r>
+              <a:rPr lang="ru-RU" dirty="0" smtClean="0"/>
+              <a:t>используя произвольные библиотеки для работы с видео и изображениями</a:t>
+            </a:r>
+            <a:endParaRPr lang="ru-RU" i="1" dirty="0" smtClean="0">
+              <a:solidFill>
+                <a:schemeClr val="tx1">
+                  <a:lumMod val="65000"/>
+                  <a:lumOff val="35000"/>
+                </a:schemeClr>
+              </a:solidFill>
+            </a:endParaRPr>
           </a:p>
         </p:txBody>
       </p:sp>
@@ -3275,6 +3923,13 @@
   <p:clrMapOvr>
     <a:masterClrMapping/>
   </p:clrMapOvr>
+  <p:timing>
+    <p:tnLst>
+      <p:par>
+        <p:cTn id="1" dur="indefinite" restart="never" nodeType="tmRoot"/>
+      </p:par>
+    </p:tnLst>
+  </p:timing>
 </p:sld>
 </file>
 
@@ -3329,11 +3984,13 @@
         </p:nvSpPr>
         <p:spPr/>
         <p:txBody>
-          <a:bodyPr/>
+          <a:bodyPr>
+            <a:normAutofit/>
+          </a:bodyPr>
           <a:lstStyle/>
           <a:p>
             <a:r>
-              <a:rPr lang="ru-RU" i="1" dirty="0">
+              <a:rPr lang="ru-RU" sz="1800" i="1" dirty="0" smtClean="0">
                 <a:solidFill>
                   <a:schemeClr val="tx1">
                     <a:lumMod val="65000"/>
@@ -3341,11 +3998,119 @@
                   </a:schemeClr>
                 </a:solidFill>
               </a:rPr>
-              <a:t>Опишите схематично реализованный бизнес-процесс</a:t>
-            </a:r>
-          </a:p>
-          <a:p>
-            <a:endParaRPr lang="ru-RU" i="1" dirty="0">
+              <a:t>Детектирование и трекинг</a:t>
+            </a:r>
+            <a:r>
+              <a:rPr lang="en-US" sz="1800" i="1" dirty="0" smtClean="0">
+                <a:solidFill>
+                  <a:schemeClr val="tx1">
+                    <a:lumMod val="65000"/>
+                    <a:lumOff val="35000"/>
+                  </a:schemeClr>
+                </a:solidFill>
+              </a:rPr>
+              <a:t>. </a:t>
+            </a:r>
+            <a:r>
+              <a:rPr lang="ru-RU" sz="1800" i="1" dirty="0">
+                <a:solidFill>
+                  <a:schemeClr val="tx1">
+                    <a:lumMod val="65000"/>
+                    <a:lumOff val="35000"/>
+                  </a:schemeClr>
+                </a:solidFill>
+              </a:rPr>
+              <a:t>Для детектирования самолета использовалась </a:t>
+            </a:r>
+            <a:r>
+              <a:rPr lang="ru-RU" sz="1800" i="1" dirty="0" err="1">
+                <a:solidFill>
+                  <a:schemeClr val="tx1">
+                    <a:lumMod val="65000"/>
+                    <a:lumOff val="35000"/>
+                  </a:schemeClr>
+                </a:solidFill>
+              </a:rPr>
+              <a:t>предобученная</a:t>
+            </a:r>
+            <a:r>
+              <a:rPr lang="ru-RU" sz="1800" i="1" dirty="0">
+                <a:solidFill>
+                  <a:schemeClr val="tx1">
+                    <a:lumMod val="65000"/>
+                    <a:lumOff val="35000"/>
+                  </a:schemeClr>
+                </a:solidFill>
+              </a:rPr>
+              <a:t> модель</a:t>
+            </a:r>
+            <a:r>
+              <a:rPr lang="en-US" sz="1800" i="1" dirty="0">
+                <a:solidFill>
+                  <a:schemeClr val="tx1">
+                    <a:lumMod val="65000"/>
+                    <a:lumOff val="35000"/>
+                  </a:schemeClr>
+                </a:solidFill>
+              </a:rPr>
+              <a:t>.</a:t>
+            </a:r>
+            <a:r>
+              <a:rPr lang="ru-RU" sz="1800" i="1" dirty="0">
+                <a:solidFill>
+                  <a:schemeClr val="tx1">
+                    <a:lumMod val="65000"/>
+                    <a:lumOff val="35000"/>
+                  </a:schemeClr>
+                </a:solidFill>
+              </a:rPr>
+              <a:t> Изначально объект детектируется в целом кадре</a:t>
+            </a:r>
+            <a:r>
+              <a:rPr lang="en-US" sz="1800" i="1" dirty="0">
+                <a:solidFill>
+                  <a:schemeClr val="tx1">
+                    <a:lumMod val="65000"/>
+                    <a:lumOff val="35000"/>
+                  </a:schemeClr>
+                </a:solidFill>
+              </a:rPr>
+              <a:t>, </a:t>
+            </a:r>
+            <a:r>
+              <a:rPr lang="ru-RU" sz="1800" i="1" dirty="0">
+                <a:solidFill>
+                  <a:schemeClr val="tx1">
+                    <a:lumMod val="65000"/>
+                    <a:lumOff val="35000"/>
+                  </a:schemeClr>
+                </a:solidFill>
+              </a:rPr>
+              <a:t>в последующих кадрах его положение уточняется на основе положения на предыдущих кадрах</a:t>
+            </a:r>
+            <a:r>
+              <a:rPr lang="en-US" sz="1800" i="1" dirty="0" smtClean="0">
+                <a:solidFill>
+                  <a:schemeClr val="tx1">
+                    <a:lumMod val="65000"/>
+                    <a:lumOff val="35000"/>
+                  </a:schemeClr>
+                </a:solidFill>
+              </a:rPr>
+              <a:t>.</a:t>
+            </a:r>
+            <a:r>
+              <a:rPr lang="ru-RU" sz="1800" i="1" dirty="0">
+                <a:solidFill>
+                  <a:schemeClr val="tx1">
+                    <a:lumMod val="65000"/>
+                    <a:lumOff val="35000"/>
+                  </a:schemeClr>
+                </a:solidFill>
+              </a:rPr>
+              <a:t> </a:t>
+            </a:r>
+            <a:endParaRPr lang="ru-RU" sz="1800" i="1" dirty="0" smtClean="0">
               <a:solidFill>
                 <a:schemeClr val="tx1">
                   <a:lumMod val="65000"/>
@@ -3355,10 +4120,471 @@
             </a:endParaRPr>
           </a:p>
           <a:p>
-            <a:pPr marL="0" indent="0">
-              <a:buNone/>
-            </a:pPr>
-            <a:endParaRPr lang="ru-RU" dirty="0"/>
+            <a:r>
+              <a:rPr lang="ru-RU" sz="1800" i="1" dirty="0" smtClean="0">
+                <a:solidFill>
+                  <a:schemeClr val="tx1">
+                    <a:lumMod val="65000"/>
+                    <a:lumOff val="35000"/>
+                  </a:schemeClr>
+                </a:solidFill>
+              </a:rPr>
+              <a:t>Предобработка</a:t>
+            </a:r>
+            <a:r>
+              <a:rPr lang="en-US" sz="1800" i="1" dirty="0" smtClean="0">
+                <a:solidFill>
+                  <a:schemeClr val="tx1">
+                    <a:lumMod val="65000"/>
+                    <a:lumOff val="35000"/>
+                  </a:schemeClr>
+                </a:solidFill>
+              </a:rPr>
+              <a:t>.</a:t>
+            </a:r>
+            <a:r>
+              <a:rPr lang="ru-RU" sz="1800" i="1" dirty="0" smtClean="0">
+                <a:solidFill>
+                  <a:schemeClr val="tx1">
+                    <a:lumMod val="65000"/>
+                    <a:lumOff val="35000"/>
+                  </a:schemeClr>
+                </a:solidFill>
+              </a:rPr>
+              <a:t> Для наилучшего качества </a:t>
+            </a:r>
+            <a:r>
+              <a:rPr lang="ru-RU" sz="1800" i="1" dirty="0">
+                <a:solidFill>
+                  <a:schemeClr val="tx1">
+                    <a:lumMod val="65000"/>
+                    <a:lumOff val="35000"/>
+                  </a:schemeClr>
+                </a:solidFill>
+              </a:rPr>
+              <a:t>детектирования </a:t>
+            </a:r>
+            <a:r>
+              <a:rPr lang="ru-RU" sz="1800" i="1" dirty="0" smtClean="0">
+                <a:solidFill>
+                  <a:schemeClr val="tx1">
+                    <a:lumMod val="65000"/>
+                    <a:lumOff val="35000"/>
+                  </a:schemeClr>
+                </a:solidFill>
+              </a:rPr>
+              <a:t>проведен</a:t>
+            </a:r>
+            <a:r>
+              <a:rPr lang="en-US" sz="1800" i="1" dirty="0" smtClean="0">
+                <a:solidFill>
+                  <a:schemeClr val="tx1">
+                    <a:lumMod val="65000"/>
+                    <a:lumOff val="35000"/>
+                  </a:schemeClr>
+                </a:solidFill>
+              </a:rPr>
+              <a:t>:</a:t>
+            </a:r>
+            <a:r>
+              <a:rPr lang="ru-RU" sz="1800" i="1" dirty="0" smtClean="0">
+                <a:solidFill>
+                  <a:schemeClr val="tx1">
+                    <a:lumMod val="65000"/>
+                    <a:lumOff val="35000"/>
+                  </a:schemeClr>
+                </a:solidFill>
+              </a:rPr>
+              <a:t> конвертация </a:t>
+            </a:r>
+            <a:r>
+              <a:rPr lang="ru-RU" sz="1800" i="1" dirty="0">
+                <a:solidFill>
+                  <a:schemeClr val="tx1">
+                    <a:lumMod val="65000"/>
+                    <a:lumOff val="35000"/>
+                  </a:schemeClr>
+                </a:solidFill>
+              </a:rPr>
+              <a:t>формата </a:t>
+            </a:r>
+            <a:r>
+              <a:rPr lang="en-US" sz="1800" i="1" dirty="0">
+                <a:solidFill>
+                  <a:schemeClr val="tx1">
+                    <a:lumMod val="65000"/>
+                    <a:lumOff val="35000"/>
+                  </a:schemeClr>
+                </a:solidFill>
+              </a:rPr>
+              <a:t>RGB </a:t>
+            </a:r>
+            <a:r>
+              <a:rPr lang="ru-RU" sz="1800" i="1" dirty="0">
+                <a:solidFill>
+                  <a:schemeClr val="tx1">
+                    <a:lumMod val="65000"/>
+                    <a:lumOff val="35000"/>
+                  </a:schemeClr>
+                </a:solidFill>
+              </a:rPr>
+              <a:t>в </a:t>
+            </a:r>
+            <a:r>
+              <a:rPr lang="en-US" sz="1800" i="1" dirty="0">
+                <a:solidFill>
+                  <a:schemeClr val="tx1">
+                    <a:lumMod val="65000"/>
+                    <a:lumOff val="35000"/>
+                  </a:schemeClr>
+                </a:solidFill>
+              </a:rPr>
+              <a:t>grayscale, </a:t>
+            </a:r>
+            <a:r>
+              <a:rPr lang="ru-RU" sz="1800" i="1" dirty="0">
+                <a:solidFill>
+                  <a:schemeClr val="tx1">
+                    <a:lumMod val="65000"/>
+                    <a:lumOff val="35000"/>
+                  </a:schemeClr>
+                </a:solidFill>
+              </a:rPr>
+              <a:t>фильтрация для увеличения резкости фильтром </a:t>
+            </a:r>
+            <a:r>
+              <a:rPr lang="en-US" sz="1800" i="1" dirty="0">
+                <a:solidFill>
+                  <a:schemeClr val="tx1">
+                    <a:lumMod val="65000"/>
+                    <a:lumOff val="35000"/>
+                  </a:schemeClr>
+                </a:solidFill>
+              </a:rPr>
+              <a:t>3x3</a:t>
+            </a:r>
+            <a:r>
+              <a:rPr lang="ru-RU" sz="1800" i="1" dirty="0">
+                <a:solidFill>
+                  <a:schemeClr val="tx1">
+                    <a:lumMod val="65000"/>
+                    <a:lumOff val="35000"/>
+                  </a:schemeClr>
+                </a:solidFill>
+              </a:rPr>
+              <a:t> с ядром </a:t>
+            </a:r>
+            <a:r>
+              <a:rPr lang="en-US" sz="1800" i="1" dirty="0">
+                <a:solidFill>
+                  <a:schemeClr val="tx1">
+                    <a:lumMod val="65000"/>
+                    <a:lumOff val="35000"/>
+                  </a:schemeClr>
+                </a:solidFill>
+              </a:rPr>
+              <a:t>[-1, -1, -1; -1, 9, -1;-1,-1,-1], </a:t>
+            </a:r>
+            <a:r>
+              <a:rPr lang="ru-RU" sz="1800" i="1" dirty="0">
+                <a:solidFill>
+                  <a:schemeClr val="tx1">
+                    <a:lumMod val="65000"/>
+                    <a:lumOff val="35000"/>
+                  </a:schemeClr>
+                </a:solidFill>
+              </a:rPr>
+              <a:t>а также  бинаризация в окрестности детектированного </a:t>
+            </a:r>
+            <a:r>
+              <a:rPr lang="ru-RU" sz="1800" i="1" dirty="0" smtClean="0">
+                <a:solidFill>
+                  <a:schemeClr val="tx1">
+                    <a:lumMod val="65000"/>
+                    <a:lumOff val="35000"/>
+                  </a:schemeClr>
+                </a:solidFill>
+              </a:rPr>
+              <a:t>объекта</a:t>
+            </a:r>
+            <a:r>
+              <a:rPr lang="en-US" sz="1800" i="1" dirty="0" smtClean="0">
+                <a:solidFill>
+                  <a:schemeClr val="tx1">
+                    <a:lumMod val="65000"/>
+                    <a:lumOff val="35000"/>
+                  </a:schemeClr>
+                </a:solidFill>
+              </a:rPr>
+              <a:t>. </a:t>
+            </a:r>
+            <a:r>
+              <a:rPr lang="ru-RU" sz="1800" i="1" dirty="0" smtClean="0">
+                <a:solidFill>
+                  <a:schemeClr val="tx1">
+                    <a:lumMod val="65000"/>
+                    <a:lumOff val="35000"/>
+                  </a:schemeClr>
+                </a:solidFill>
+              </a:rPr>
+              <a:t>Модель принимает на вход изображение 300</a:t>
+            </a:r>
+            <a:r>
+              <a:rPr lang="en-US" sz="1800" i="1" dirty="0" smtClean="0">
+                <a:solidFill>
+                  <a:schemeClr val="tx1">
+                    <a:lumMod val="65000"/>
+                    <a:lumOff val="35000"/>
+                  </a:schemeClr>
+                </a:solidFill>
+              </a:rPr>
+              <a:t>x</a:t>
+            </a:r>
+            <a:r>
+              <a:rPr lang="ru-RU" sz="1800" i="1" dirty="0" smtClean="0">
+                <a:solidFill>
+                  <a:schemeClr val="tx1">
+                    <a:lumMod val="65000"/>
+                    <a:lumOff val="35000"/>
+                  </a:schemeClr>
+                </a:solidFill>
+              </a:rPr>
+              <a:t>300</a:t>
+            </a:r>
+            <a:r>
+              <a:rPr lang="en-US" sz="1800" i="1" dirty="0" smtClean="0">
+                <a:solidFill>
+                  <a:schemeClr val="tx1">
+                    <a:lumMod val="65000"/>
+                    <a:lumOff val="35000"/>
+                  </a:schemeClr>
+                </a:solidFill>
+              </a:rPr>
+              <a:t>x</a:t>
+            </a:r>
+            <a:r>
+              <a:rPr lang="ru-RU" sz="1800" i="1" dirty="0" smtClean="0">
+                <a:solidFill>
+                  <a:schemeClr val="tx1">
+                    <a:lumMod val="65000"/>
+                    <a:lumOff val="35000"/>
+                  </a:schemeClr>
+                </a:solidFill>
+              </a:rPr>
+              <a:t>3</a:t>
+            </a:r>
+            <a:r>
+              <a:rPr lang="en-US" sz="1800" i="1" dirty="0" smtClean="0">
+                <a:solidFill>
+                  <a:schemeClr val="tx1">
+                    <a:lumMod val="65000"/>
+                    <a:lumOff val="35000"/>
+                  </a:schemeClr>
+                </a:solidFill>
+              </a:rPr>
+              <a:t>, </a:t>
+            </a:r>
+            <a:r>
+              <a:rPr lang="ru-RU" sz="1800" i="1" dirty="0" smtClean="0">
+                <a:solidFill>
+                  <a:schemeClr val="tx1">
+                    <a:lumMod val="65000"/>
+                    <a:lumOff val="35000"/>
+                  </a:schemeClr>
+                </a:solidFill>
+              </a:rPr>
+              <a:t>объект должен целиком попадать в</a:t>
+            </a:r>
+            <a:r>
+              <a:rPr lang="ru-RU" sz="1800" i="1" dirty="0">
+                <a:solidFill>
+                  <a:schemeClr val="tx1">
+                    <a:lumMod val="65000"/>
+                    <a:lumOff val="35000"/>
+                  </a:schemeClr>
+                </a:solidFill>
+              </a:rPr>
+              <a:t> </a:t>
+            </a:r>
+            <a:r>
+              <a:rPr lang="ru-RU" sz="1800" i="1" dirty="0" smtClean="0">
+                <a:solidFill>
+                  <a:schemeClr val="tx1">
+                    <a:lumMod val="65000"/>
+                    <a:lumOff val="35000"/>
+                  </a:schemeClr>
+                </a:solidFill>
+              </a:rPr>
+              <a:t>это изображение</a:t>
+            </a:r>
+            <a:r>
+              <a:rPr lang="en-US" sz="1800" i="1" dirty="0" smtClean="0">
+                <a:solidFill>
+                  <a:schemeClr val="tx1">
+                    <a:lumMod val="65000"/>
+                    <a:lumOff val="35000"/>
+                  </a:schemeClr>
+                </a:solidFill>
+              </a:rPr>
+              <a:t>, </a:t>
+            </a:r>
+            <a:r>
+              <a:rPr lang="ru-RU" sz="1800" i="1" dirty="0" smtClean="0">
+                <a:solidFill>
+                  <a:schemeClr val="tx1">
+                    <a:lumMod val="65000"/>
+                    <a:lumOff val="35000"/>
+                  </a:schemeClr>
+                </a:solidFill>
+              </a:rPr>
+              <a:t>без искажений размера</a:t>
+            </a:r>
+            <a:r>
+              <a:rPr lang="en-US" sz="1800" i="1" dirty="0" smtClean="0">
+                <a:solidFill>
+                  <a:schemeClr val="tx1">
+                    <a:lumMod val="65000"/>
+                    <a:lumOff val="35000"/>
+                  </a:schemeClr>
+                </a:solidFill>
+              </a:rPr>
+              <a:t>.</a:t>
+            </a:r>
+          </a:p>
+          <a:p>
+            <a:r>
+              <a:rPr lang="ru-RU" sz="1800" i="1" dirty="0" smtClean="0">
+                <a:solidFill>
+                  <a:schemeClr val="tx1">
+                    <a:lumMod val="65000"/>
+                    <a:lumOff val="35000"/>
+                  </a:schemeClr>
+                </a:solidFill>
+              </a:rPr>
+              <a:t>Расстояние до объекта по кадру может быть найдено на основании известных параметров</a:t>
+            </a:r>
+            <a:r>
+              <a:rPr lang="en-US" sz="1800" i="1" dirty="0" smtClean="0">
+                <a:solidFill>
+                  <a:schemeClr val="tx1">
+                    <a:lumMod val="65000"/>
+                    <a:lumOff val="35000"/>
+                  </a:schemeClr>
+                </a:solidFill>
+              </a:rPr>
+              <a:t>: </a:t>
+            </a:r>
+            <a:r>
+              <a:rPr lang="ru-RU" sz="1800" i="1" dirty="0" smtClean="0">
+                <a:solidFill>
+                  <a:schemeClr val="tx1">
+                    <a:lumMod val="65000"/>
+                    <a:lumOff val="35000"/>
+                  </a:schemeClr>
+                </a:solidFill>
+              </a:rPr>
+              <a:t>линейных размеров</a:t>
+            </a:r>
+            <a:r>
+              <a:rPr lang="en-US" sz="1800" i="1" dirty="0" smtClean="0">
+                <a:solidFill>
+                  <a:schemeClr val="tx1">
+                    <a:lumMod val="65000"/>
+                    <a:lumOff val="35000"/>
+                  </a:schemeClr>
+                </a:solidFill>
+              </a:rPr>
+              <a:t> </a:t>
+            </a:r>
+            <a:r>
+              <a:rPr lang="ru-RU" sz="1800" i="1" dirty="0" smtClean="0">
+                <a:solidFill>
+                  <a:schemeClr val="tx1">
+                    <a:lumMod val="65000"/>
+                    <a:lumOff val="35000"/>
+                  </a:schemeClr>
+                </a:solidFill>
+              </a:rPr>
+              <a:t>самого объекта(в данном случае – размах крыльев самолета)</a:t>
+            </a:r>
+            <a:r>
+              <a:rPr lang="en-US" sz="1800" i="1" dirty="0" smtClean="0">
+                <a:solidFill>
+                  <a:schemeClr val="tx1">
+                    <a:lumMod val="65000"/>
+                    <a:lumOff val="35000"/>
+                  </a:schemeClr>
+                </a:solidFill>
+              </a:rPr>
+              <a:t>, </a:t>
+            </a:r>
+            <a:r>
+              <a:rPr lang="ru-RU" sz="1800" i="1" dirty="0" smtClean="0">
+                <a:solidFill>
+                  <a:schemeClr val="tx1">
+                    <a:lumMod val="65000"/>
+                    <a:lumOff val="35000"/>
+                  </a:schemeClr>
+                </a:solidFill>
+              </a:rPr>
+              <a:t>фокусного расстояния линзы</a:t>
+            </a:r>
+            <a:r>
+              <a:rPr lang="en-US" sz="1800" i="1" dirty="0" smtClean="0">
+                <a:solidFill>
+                  <a:schemeClr val="tx1">
+                    <a:lumMod val="65000"/>
+                    <a:lumOff val="35000"/>
+                  </a:schemeClr>
+                </a:solidFill>
+              </a:rPr>
+              <a:t>, </a:t>
+            </a:r>
+            <a:r>
+              <a:rPr lang="ru-RU" sz="1800" i="1" dirty="0" smtClean="0">
+                <a:solidFill>
+                  <a:schemeClr val="tx1">
+                    <a:lumMod val="65000"/>
+                    <a:lumOff val="35000"/>
+                  </a:schemeClr>
+                </a:solidFill>
+              </a:rPr>
+              <a:t>а также </a:t>
+            </a:r>
+            <a:r>
+              <a:rPr lang="ru-RU" sz="1800" i="1" dirty="0">
+                <a:solidFill>
+                  <a:schemeClr val="tx1">
+                    <a:lumMod val="65000"/>
+                    <a:lumOff val="35000"/>
+                  </a:schemeClr>
+                </a:solidFill>
+              </a:rPr>
+              <a:t>р</a:t>
+            </a:r>
+            <a:r>
+              <a:rPr lang="ru-RU" sz="1800" i="1" dirty="0" smtClean="0">
+                <a:solidFill>
+                  <a:schemeClr val="tx1">
+                    <a:lumMod val="65000"/>
+                    <a:lumOff val="35000"/>
+                  </a:schemeClr>
+                </a:solidFill>
+              </a:rPr>
+              <a:t>азмеров сенсора камеры и объекта в кадре</a:t>
+            </a:r>
+            <a:r>
+              <a:rPr lang="en-US" sz="1800" i="1" dirty="0" smtClean="0">
+                <a:solidFill>
+                  <a:schemeClr val="tx1">
+                    <a:lumMod val="65000"/>
+                    <a:lumOff val="35000"/>
+                  </a:schemeClr>
+                </a:solidFill>
+              </a:rPr>
+              <a:t>.</a:t>
+            </a:r>
+            <a:endParaRPr lang="ru-RU" sz="1800" dirty="0"/>
           </a:p>
         </p:txBody>
       </p:sp>
@@ -3372,6 +4598,13 @@
   <p:clrMapOvr>
     <a:masterClrMapping/>
   </p:clrMapOvr>
+  <p:timing>
+    <p:tnLst>
+      <p:par>
+        <p:cTn id="1" dur="indefinite" restart="never" nodeType="tmRoot"/>
+      </p:par>
+    </p:tnLst>
+  </p:timing>
 </p:sld>
 </file>
 
@@ -3450,6 +4683,13 @@
   <p:clrMapOvr>
     <a:masterClrMapping/>
   </p:clrMapOvr>
+  <p:timing>
+    <p:tnLst>
+      <p:par>
+        <p:cTn id="1" dur="indefinite" restart="never" nodeType="tmRoot"/>
+      </p:par>
+    </p:tnLst>
+  </p:timing>
 </p:sld>
 </file>
 
@@ -3538,6 +4778,13 @@
   <p:clrMapOvr>
     <a:masterClrMapping/>
   </p:clrMapOvr>
+  <p:timing>
+    <p:tnLst>
+      <p:par>
+        <p:cTn id="1" dur="indefinite" restart="never" nodeType="tmRoot"/>
+      </p:par>
+    </p:tnLst>
+  </p:timing>
 </p:sld>
 </file>
 
@@ -3860,8 +5107,293 @@
   <a:extraClrSchemeLst/>
   <a:extLst>
     <a:ext uri="{05A4C25C-085E-4340-85A3-A5531E510DB2}">
-      <thm15:themeFamily xmlns:thm15="http://schemas.microsoft.com/office/thememl/2012/main" name="Office Theme" id="{62F939B6-93AF-4DB8-9C6B-D6C7DFDC589F}" vid="{4A3C46E8-61CC-4603-A589-7422A47A8E4A}"/>
+      <thm15:themeFamily xmlns:thm15="http://schemas.microsoft.com/office/thememl/2012/main" xmlns="" name="Office Theme" id="{62F939B6-93AF-4DB8-9C6B-D6C7DFDC589F}" vid="{4A3C46E8-61CC-4603-A589-7422A47A8E4A}"/>
     </a:ext>
   </a:extLst>
 </a:theme>
+</file>
+
+<file path=ppt/theme/theme2.xml><?xml version="1.0" encoding="utf-8"?>
+<a:theme xmlns:a="http://schemas.openxmlformats.org/drawingml/2006/main" name="Тема Office">
+  <a:themeElements>
+    <a:clrScheme name="Стандартная">
+      <a:dk1>
+        <a:sysClr val="windowText" lastClr="000000"/>
+      </a:dk1>
+      <a:lt1>
+        <a:sysClr val="window" lastClr="FFFFFF"/>
+      </a:lt1>
+      <a:dk2>
+        <a:srgbClr val="1F497D"/>
+      </a:dk2>
+      <a:lt2>
+        <a:srgbClr val="EEECE1"/>
+      </a:lt2>
+      <a:accent1>
+        <a:srgbClr val="4F81BD"/>
+      </a:accent1>
+      <a:accent2>
+        <a:srgbClr val="C0504D"/>
+      </a:accent2>
+      <a:accent3>
+        <a:srgbClr val="9BBB59"/>
+      </a:accent3>
+      <a:accent4>
+        <a:srgbClr val="8064A2"/>
+      </a:accent4>
+      <a:accent5>
+        <a:srgbClr val="4BACC6"/>
+      </a:accent5>
+      <a:accent6>
+        <a:srgbClr val="F79646"/>
+      </a:accent6>
+      <a:hlink>
+        <a:srgbClr val="0000FF"/>
+      </a:hlink>
+      <a:folHlink>
+        <a:srgbClr val="800080"/>
+      </a:folHlink>
+    </a:clrScheme>
+    <a:fontScheme name="Стандартная">
+      <a:majorFont>
+        <a:latin typeface="Calibri"/>
+        <a:ea typeface=""/>
+        <a:cs typeface=""/>
+        <a:font script="Jpan" typeface="ＭＳ Ｐゴシック"/>
+        <a:font script="Hang" typeface="맑은 고딕"/>
+        <a:font script="Hans" typeface="宋体"/>
+        <a:font script="Hant" typeface="新細明體"/>
+        <a:font script="Arab" typeface="Times New Roman"/>
+        <a:font script="Hebr" typeface="Times New Roman"/>
+        <a:font script="Thai" typeface="Angsana New"/>
+        <a:font script="Ethi" typeface="Nyala"/>
+        <a:font script="Beng" typeface="Vrinda"/>
+        <a:font script="Gujr" typeface="Shruti"/>
+        <a:font script="Khmr" typeface="MoolBoran"/>
+        <a:font script="Knda" typeface="Tunga"/>
+        <a:font script="Guru" typeface="Raavi"/>
+        <a:font script="Cans" typeface="Euphemia"/>
+        <a:font script="Cher" typeface="Plantagenet Cherokee"/>
+        <a:font script="Yiii" typeface="Microsoft Yi Baiti"/>
+        <a:font script="Tibt" typeface="Microsoft Himalaya"/>
+        <a:font script="Thaa" typeface="MV Boli"/>
+        <a:font script="Deva" typeface="Mangal"/>
+        <a:font script="Telu" typeface="Gautami"/>
+        <a:font script="Taml" typeface="Latha"/>
+        <a:font script="Syrc" typeface="Estrangelo Edessa"/>
+        <a:font script="Orya" typeface="Kalinga"/>
+        <a:font script="Mlym" typeface="Kartika"/>
+        <a:font script="Laoo" typeface="DokChampa"/>
+        <a:font script="Sinh" typeface="Iskoola Pota"/>
+        <a:font script="Mong" typeface="Mongolian Baiti"/>
+        <a:font script="Viet" typeface="Times New Roman"/>
+        <a:font script="Uigh" typeface="Microsoft Uighur"/>
+        <a:font script="Geor" typeface="Sylfaen"/>
+      </a:majorFont>
+      <a:minorFont>
+        <a:latin typeface="Calibri"/>
+        <a:ea typeface=""/>
+        <a:cs typeface=""/>
+        <a:font script="Jpan" typeface="ＭＳ Ｐゴシック"/>
+        <a:font script="Hang" typeface="맑은 고딕"/>
+        <a:font script="Hans" typeface="宋体"/>
+        <a:font script="Hant" typeface="新細明體"/>
+        <a:font script="Arab" typeface="Arial"/>
+        <a:font script="Hebr" typeface="Arial"/>
+        <a:font script="Thai" typeface="Cordia New"/>
+        <a:font script="Ethi" typeface="Nyala"/>
+        <a:font script="Beng" typeface="Vrinda"/>
+        <a:font script="Gujr" typeface="Shruti"/>
+        <a:font script="Khmr" typeface="DaunPenh"/>
+        <a:font script="Knda" typeface="Tunga"/>
+        <a:font script="Guru" typeface="Raavi"/>
+        <a:font script="Cans" typeface="Euphemia"/>
+        <a:font script="Cher" typeface="Plantagenet Cherokee"/>
+        <a:font script="Yiii" typeface="Microsoft Yi Baiti"/>
+        <a:font script="Tibt" typeface="Microsoft Himalaya"/>
+        <a:font script="Thaa" typeface="MV Boli"/>
+        <a:font script="Deva" typeface="Mangal"/>
+        <a:font script="Telu" typeface="Gautami"/>
+        <a:font script="Taml" typeface="Latha"/>
+        <a:font script="Syrc" typeface="Estrangelo Edessa"/>
+        <a:font script="Orya" typeface="Kalinga"/>
+        <a:font script="Mlym" typeface="Kartika"/>
+        <a:font script="Laoo" typeface="DokChampa"/>
+        <a:font script="Sinh" typeface="Iskoola Pota"/>
+        <a:font script="Mong" typeface="Mongolian Baiti"/>
+        <a:font script="Viet" typeface="Arial"/>
+        <a:font script="Uigh" typeface="Microsoft Uighur"/>
+        <a:font script="Geor" typeface="Sylfaen"/>
+      </a:minorFont>
+    </a:fontScheme>
+    <a:fmtScheme name="Стандартная">
+      <a:fillStyleLst>
+        <a:solidFill>
+          <a:schemeClr val="phClr"/>
+        </a:solidFill>
+        <a:gradFill rotWithShape="1">
+          <a:gsLst>
+            <a:gs pos="0">
+              <a:schemeClr val="phClr">
+                <a:tint val="50000"/>
+                <a:satMod val="300000"/>
+              </a:schemeClr>
+            </a:gs>
+            <a:gs pos="35000">
+              <a:schemeClr val="phClr">
+                <a:tint val="37000"/>
+                <a:satMod val="300000"/>
+              </a:schemeClr>
+            </a:gs>
+            <a:gs pos="100000">
+              <a:schemeClr val="phClr">
+                <a:tint val="15000"/>
+                <a:satMod val="350000"/>
+              </a:schemeClr>
+            </a:gs>
+          </a:gsLst>
+          <a:lin ang="16200000" scaled="1"/>
+        </a:gradFill>
+        <a:gradFill rotWithShape="1">
+          <a:gsLst>
+            <a:gs pos="0">
+              <a:schemeClr val="phClr">
+                <a:shade val="51000"/>
+                <a:satMod val="130000"/>
+              </a:schemeClr>
+            </a:gs>
+            <a:gs pos="80000">
+              <a:schemeClr val="phClr">
+                <a:shade val="93000"/>
+                <a:satMod val="130000"/>
+              </a:schemeClr>
+            </a:gs>
+            <a:gs pos="100000">
+              <a:schemeClr val="phClr">
+                <a:shade val="94000"/>
+                <a:satMod val="135000"/>
+              </a:schemeClr>
+            </a:gs>
+          </a:gsLst>
+          <a:lin ang="16200000" scaled="0"/>
+        </a:gradFill>
+      </a:fillStyleLst>
+      <a:lnStyleLst>
+        <a:ln w="9525" cap="flat" cmpd="sng" algn="ctr">
+          <a:solidFill>
+            <a:schemeClr val="phClr">
+              <a:shade val="95000"/>
+              <a:satMod val="105000"/>
+            </a:schemeClr>
+          </a:solidFill>
+          <a:prstDash val="solid"/>
+        </a:ln>
+        <a:ln w="25400" cap="flat" cmpd="sng" algn="ctr">
+          <a:solidFill>
+            <a:schemeClr val="phClr"/>
+          </a:solidFill>
+          <a:prstDash val="solid"/>
+        </a:ln>
+        <a:ln w="38100" cap="flat" cmpd="sng" algn="ctr">
+          <a:solidFill>
+            <a:schemeClr val="phClr"/>
+          </a:solidFill>
+          <a:prstDash val="solid"/>
+        </a:ln>
+      </a:lnStyleLst>
+      <a:effectStyleLst>
+        <a:effectStyle>
+          <a:effectLst>
+            <a:outerShdw blurRad="40000" dist="20000" dir="5400000" rotWithShape="0">
+              <a:srgbClr val="000000">
+                <a:alpha val="38000"/>
+              </a:srgbClr>
+            </a:outerShdw>
+          </a:effectLst>
+        </a:effectStyle>
+        <a:effectStyle>
+          <a:effectLst>
+            <a:outerShdw blurRad="40000" dist="23000" dir="5400000" rotWithShape="0">
+              <a:srgbClr val="000000">
+                <a:alpha val="35000"/>
+              </a:srgbClr>
+            </a:outerShdw>
+          </a:effectLst>
+        </a:effectStyle>
+        <a:effectStyle>
+          <a:effectLst>
+            <a:outerShdw blurRad="40000" dist="23000" dir="5400000" rotWithShape="0">
+              <a:srgbClr val="000000">
+                <a:alpha val="35000"/>
+              </a:srgbClr>
+            </a:outerShdw>
+          </a:effectLst>
+          <a:scene3d>
+            <a:camera prst="orthographicFront">
+              <a:rot lat="0" lon="0" rev="0"/>
+            </a:camera>
+            <a:lightRig rig="threePt" dir="t">
+              <a:rot lat="0" lon="0" rev="1200000"/>
+            </a:lightRig>
+          </a:scene3d>
+          <a:sp3d>
+            <a:bevelT w="63500" h="25400"/>
+          </a:sp3d>
+        </a:effectStyle>
+      </a:effectStyleLst>
+      <a:bgFillStyleLst>
+        <a:solidFill>
+          <a:schemeClr val="phClr"/>
+        </a:solidFill>
+        <a:gradFill rotWithShape="1">
+          <a:gsLst>
+            <a:gs pos="0">
+              <a:schemeClr val="phClr">
+                <a:tint val="40000"/>
+                <a:satMod val="350000"/>
+              </a:schemeClr>
+            </a:gs>
+            <a:gs pos="40000">
+              <a:schemeClr val="phClr">
+                <a:tint val="45000"/>
+                <a:shade val="99000"/>
+                <a:satMod val="350000"/>
+              </a:schemeClr>
+            </a:gs>
+            <a:gs pos="100000">
+              <a:schemeClr val="phClr">
+                <a:shade val="20000"/>
+                <a:satMod val="255000"/>
+              </a:schemeClr>
+            </a:gs>
+          </a:gsLst>
+          <a:path path="circle">
+            <a:fillToRect l="50000" t="-80000" r="50000" b="180000"/>
+          </a:path>
+        </a:gradFill>
+        <a:gradFill rotWithShape="1">
+          <a:gsLst>
+            <a:gs pos="0">
+              <a:schemeClr val="phClr">
+                <a:tint val="80000"/>
+                <a:satMod val="300000"/>
+              </a:schemeClr>
+            </a:gs>
+            <a:gs pos="100000">
+              <a:schemeClr val="phClr">
+                <a:shade val="30000"/>
+                <a:satMod val="200000"/>
+              </a:schemeClr>
+            </a:gs>
+          </a:gsLst>
+          <a:path path="circle">
+            <a:fillToRect l="50000" t="50000" r="50000" b="50000"/>
+          </a:path>
+        </a:gradFill>
+      </a:bgFillStyleLst>
+    </a:fmtScheme>
+  </a:themeElements>
+  <a:objectDefaults/>
+  <a:extraClrSchemeLst/>
+</a:theme>
 </file>